--- a/slides/chap9-mln.pptx
+++ b/slides/chap9-mln.pptx
@@ -11779,8 +11779,8 @@
         </p:nvSpPr>
         <p:spPr bwMode="auto">
           <a:xfrm>
-            <a:off x="2743200" y="5867400"/>
-            <a:ext cx="2713038" cy="366713"/>
+            <a:off x="2195736" y="5877272"/>
+            <a:ext cx="4546925" cy="369332"/>
           </a:xfrm>
           <a:prstGeom prst="rect">
             <a:avLst/>
@@ -11805,9 +11805,14 @@
           <a:lstStyle/>
           <a:p>
             <a:r>
-              <a:rPr lang="en-US"/>
-              <a:t>remember section 7.6.1?</a:t>
-            </a:r>
+              <a:rPr lang="en-US" dirty="0"/>
+              <a:t>remember section </a:t>
+            </a:r>
+            <a:r>
+              <a:rPr lang="en-US" dirty="0" smtClean="0"/>
+              <a:t>7.6.1 (learning to rank)?</a:t>
+            </a:r>
+            <a:endParaRPr lang="en-US" dirty="0"/>
           </a:p>
         </p:txBody>
       </p:sp>
@@ -21674,7 +21679,7 @@
           <a:graphicData uri="http://schemas.openxmlformats.org/presentationml/2006/ole">
             <mc:AlternateContent xmlns:mc="http://schemas.openxmlformats.org/markup-compatibility/2006">
               <mc:Choice xmlns:v="urn:schemas-microsoft-com:vml" Requires="v">
-                <p:oleObj spid="_x0000_s2073" name="Acrobat Document" r:id="rId3" imgW="5118100" imgH="6146800" progId="">
+                <p:oleObj spid="_x0000_s2074" name="Acrobat Document" r:id="rId3" imgW="5118100" imgH="6146800" progId="">
                   <p:embed/>
                 </p:oleObj>
               </mc:Choice>
@@ -21996,7 +22001,7 @@
           <a:graphicData uri="http://schemas.openxmlformats.org/presentationml/2006/ole">
             <mc:AlternateContent xmlns:mc="http://schemas.openxmlformats.org/markup-compatibility/2006">
               <mc:Choice xmlns:v="urn:schemas-microsoft-com:vml" Requires="v">
-                <p:oleObj spid="_x0000_s1049" name="Acrobat Document" r:id="rId3" imgW="4775200" imgH="3314700" progId="">
+                <p:oleObj spid="_x0000_s1050" name="Acrobat Document" r:id="rId3" imgW="4775200" imgH="3314700" progId="">
                   <p:embed/>
                 </p:oleObj>
               </mc:Choice>
@@ -22533,7 +22538,7 @@
           <a:graphicData uri="http://schemas.openxmlformats.org/presentationml/2006/ole">
             <mc:AlternateContent xmlns:mc="http://schemas.openxmlformats.org/markup-compatibility/2006">
               <mc:Choice xmlns:v="urn:schemas-microsoft-com:vml" Requires="v">
-                <p:oleObj spid="_x0000_s3097" name="Acrobat Document" r:id="rId3" imgW="3695700" imgH="4445000" progId="">
+                <p:oleObj spid="_x0000_s3098" name="Acrobat Document" r:id="rId3" imgW="3695700" imgH="4445000" progId="">
                   <p:embed/>
                 </p:oleObj>
               </mc:Choice>
